--- a/Fihirana Fanampiny/FF 24.pptx
+++ b/Fihirana Fanampiny/FF 24.pptx
@@ -169,10 +169,9 @@
           <a:lstStyle/>
           <a:p>
             <a:r>
-              <a:rPr lang="fr-FR" smtClean="0"/>
+              <a:rPr lang="fr-FR"/>
               <a:t>Cliquez pour modifier le style du titre</a:t>
             </a:r>
-            <a:endParaRPr lang="fr-FR"/>
           </a:p>
         </p:txBody>
       </p:sp>
@@ -288,10 +287,9 @@
           </a:lstStyle>
           <a:p>
             <a:r>
-              <a:rPr lang="fr-FR" smtClean="0"/>
+              <a:rPr lang="fr-FR"/>
               <a:t>Cliquez pour modifier le style des sous-titres du masque</a:t>
             </a:r>
-            <a:endParaRPr lang="fr-FR"/>
           </a:p>
         </p:txBody>
       </p:sp>
@@ -313,7 +311,7 @@
             <a:fld id="{20E925A7-C1DD-428B-AAB2-367FE347E130}" type="datetimeFigureOut">
               <a:rPr lang="fr-FR" smtClean="0"/>
               <a:pPr/>
-              <a:t>27/09/2014</a:t>
+              <a:t>28/01/2024</a:t>
             </a:fld>
             <a:endParaRPr lang="fr-FR"/>
           </a:p>
@@ -403,10 +401,9 @@
           <a:lstStyle/>
           <a:p>
             <a:r>
-              <a:rPr lang="fr-FR" smtClean="0"/>
+              <a:rPr lang="fr-FR"/>
               <a:t>Cliquez pour modifier le style du titre</a:t>
             </a:r>
-            <a:endParaRPr lang="fr-FR"/>
           </a:p>
         </p:txBody>
       </p:sp>
@@ -427,38 +424,37 @@
           <a:p>
             <a:pPr lvl="0"/>
             <a:r>
-              <a:rPr lang="fr-FR" smtClean="0"/>
+              <a:rPr lang="fr-FR"/>
               <a:t>Cliquez pour modifier les styles du texte du masque</a:t>
             </a:r>
           </a:p>
           <a:p>
             <a:pPr lvl="1"/>
             <a:r>
-              <a:rPr lang="fr-FR" smtClean="0"/>
+              <a:rPr lang="fr-FR"/>
               <a:t>Deuxième niveau</a:t>
             </a:r>
           </a:p>
           <a:p>
             <a:pPr lvl="2"/>
             <a:r>
-              <a:rPr lang="fr-FR" smtClean="0"/>
+              <a:rPr lang="fr-FR"/>
               <a:t>Troisième niveau</a:t>
             </a:r>
           </a:p>
           <a:p>
             <a:pPr lvl="3"/>
             <a:r>
-              <a:rPr lang="fr-FR" smtClean="0"/>
+              <a:rPr lang="fr-FR"/>
               <a:t>Quatrième niveau</a:t>
             </a:r>
           </a:p>
           <a:p>
             <a:pPr lvl="4"/>
             <a:r>
-              <a:rPr lang="fr-FR" smtClean="0"/>
+              <a:rPr lang="fr-FR"/>
               <a:t>Cinquième niveau</a:t>
             </a:r>
-            <a:endParaRPr lang="fr-FR"/>
           </a:p>
         </p:txBody>
       </p:sp>
@@ -480,7 +476,7 @@
             <a:fld id="{20E925A7-C1DD-428B-AAB2-367FE347E130}" type="datetimeFigureOut">
               <a:rPr lang="fr-FR" smtClean="0"/>
               <a:pPr/>
-              <a:t>27/09/2014</a:t>
+              <a:t>28/01/2024</a:t>
             </a:fld>
             <a:endParaRPr lang="fr-FR"/>
           </a:p>
@@ -575,10 +571,9 @@
           <a:lstStyle/>
           <a:p>
             <a:r>
-              <a:rPr lang="fr-FR" smtClean="0"/>
+              <a:rPr lang="fr-FR"/>
               <a:t>Cliquez pour modifier le style du titre</a:t>
             </a:r>
-            <a:endParaRPr lang="fr-FR"/>
           </a:p>
         </p:txBody>
       </p:sp>
@@ -604,38 +599,37 @@
           <a:p>
             <a:pPr lvl="0"/>
             <a:r>
-              <a:rPr lang="fr-FR" smtClean="0"/>
+              <a:rPr lang="fr-FR"/>
               <a:t>Cliquez pour modifier les styles du texte du masque</a:t>
             </a:r>
           </a:p>
           <a:p>
             <a:pPr lvl="1"/>
             <a:r>
-              <a:rPr lang="fr-FR" smtClean="0"/>
+              <a:rPr lang="fr-FR"/>
               <a:t>Deuxième niveau</a:t>
             </a:r>
           </a:p>
           <a:p>
             <a:pPr lvl="2"/>
             <a:r>
-              <a:rPr lang="fr-FR" smtClean="0"/>
+              <a:rPr lang="fr-FR"/>
               <a:t>Troisième niveau</a:t>
             </a:r>
           </a:p>
           <a:p>
             <a:pPr lvl="3"/>
             <a:r>
-              <a:rPr lang="fr-FR" smtClean="0"/>
+              <a:rPr lang="fr-FR"/>
               <a:t>Quatrième niveau</a:t>
             </a:r>
           </a:p>
           <a:p>
             <a:pPr lvl="4"/>
             <a:r>
-              <a:rPr lang="fr-FR" smtClean="0"/>
+              <a:rPr lang="fr-FR"/>
               <a:t>Cinquième niveau</a:t>
             </a:r>
-            <a:endParaRPr lang="fr-FR"/>
           </a:p>
         </p:txBody>
       </p:sp>
@@ -657,7 +651,7 @@
             <a:fld id="{20E925A7-C1DD-428B-AAB2-367FE347E130}" type="datetimeFigureOut">
               <a:rPr lang="fr-FR" smtClean="0"/>
               <a:pPr/>
-              <a:t>27/09/2014</a:t>
+              <a:t>28/01/2024</a:t>
             </a:fld>
             <a:endParaRPr lang="fr-FR"/>
           </a:p>
@@ -747,10 +741,9 @@
           <a:lstStyle/>
           <a:p>
             <a:r>
-              <a:rPr lang="fr-FR" smtClean="0"/>
+              <a:rPr lang="fr-FR"/>
               <a:t>Cliquez pour modifier le style du titre</a:t>
             </a:r>
-            <a:endParaRPr lang="fr-FR"/>
           </a:p>
         </p:txBody>
       </p:sp>
@@ -771,38 +764,37 @@
           <a:p>
             <a:pPr lvl="0"/>
             <a:r>
-              <a:rPr lang="fr-FR" smtClean="0"/>
+              <a:rPr lang="fr-FR"/>
               <a:t>Cliquez pour modifier les styles du texte du masque</a:t>
             </a:r>
           </a:p>
           <a:p>
             <a:pPr lvl="1"/>
             <a:r>
-              <a:rPr lang="fr-FR" smtClean="0"/>
+              <a:rPr lang="fr-FR"/>
               <a:t>Deuxième niveau</a:t>
             </a:r>
           </a:p>
           <a:p>
             <a:pPr lvl="2"/>
             <a:r>
-              <a:rPr lang="fr-FR" smtClean="0"/>
+              <a:rPr lang="fr-FR"/>
               <a:t>Troisième niveau</a:t>
             </a:r>
           </a:p>
           <a:p>
             <a:pPr lvl="3"/>
             <a:r>
-              <a:rPr lang="fr-FR" smtClean="0"/>
+              <a:rPr lang="fr-FR"/>
               <a:t>Quatrième niveau</a:t>
             </a:r>
           </a:p>
           <a:p>
             <a:pPr lvl="4"/>
             <a:r>
-              <a:rPr lang="fr-FR" smtClean="0"/>
+              <a:rPr lang="fr-FR"/>
               <a:t>Cinquième niveau</a:t>
             </a:r>
-            <a:endParaRPr lang="fr-FR"/>
           </a:p>
         </p:txBody>
       </p:sp>
@@ -824,7 +816,7 @@
             <a:fld id="{20E925A7-C1DD-428B-AAB2-367FE347E130}" type="datetimeFigureOut">
               <a:rPr lang="fr-FR" smtClean="0"/>
               <a:pPr/>
-              <a:t>27/09/2014</a:t>
+              <a:t>28/01/2024</a:t>
             </a:fld>
             <a:endParaRPr lang="fr-FR"/>
           </a:p>
@@ -923,10 +915,9 @@
           </a:lstStyle>
           <a:p>
             <a:r>
-              <a:rPr lang="fr-FR" smtClean="0"/>
+              <a:rPr lang="fr-FR"/>
               <a:t>Cliquez pour modifier le style du titre</a:t>
             </a:r>
-            <a:endParaRPr lang="fr-FR"/>
           </a:p>
         </p:txBody>
       </p:sp>
@@ -1043,7 +1034,7 @@
           <a:p>
             <a:pPr lvl="0"/>
             <a:r>
-              <a:rPr lang="fr-FR" smtClean="0"/>
+              <a:rPr lang="fr-FR"/>
               <a:t>Cliquez pour modifier les styles du texte du masque</a:t>
             </a:r>
           </a:p>
@@ -1067,7 +1058,7 @@
             <a:fld id="{20E925A7-C1DD-428B-AAB2-367FE347E130}" type="datetimeFigureOut">
               <a:rPr lang="fr-FR" smtClean="0"/>
               <a:pPr/>
-              <a:t>27/09/2014</a:t>
+              <a:t>28/01/2024</a:t>
             </a:fld>
             <a:endParaRPr lang="fr-FR"/>
           </a:p>
@@ -1157,10 +1148,9 @@
           <a:lstStyle/>
           <a:p>
             <a:r>
-              <a:rPr lang="fr-FR" smtClean="0"/>
+              <a:rPr lang="fr-FR"/>
               <a:t>Cliquez pour modifier le style du titre</a:t>
             </a:r>
-            <a:endParaRPr lang="fr-FR"/>
           </a:p>
         </p:txBody>
       </p:sp>
@@ -1214,38 +1204,37 @@
           <a:p>
             <a:pPr lvl="0"/>
             <a:r>
-              <a:rPr lang="fr-FR" smtClean="0"/>
+              <a:rPr lang="fr-FR"/>
               <a:t>Cliquez pour modifier les styles du texte du masque</a:t>
             </a:r>
           </a:p>
           <a:p>
             <a:pPr lvl="1"/>
             <a:r>
-              <a:rPr lang="fr-FR" smtClean="0"/>
+              <a:rPr lang="fr-FR"/>
               <a:t>Deuxième niveau</a:t>
             </a:r>
           </a:p>
           <a:p>
             <a:pPr lvl="2"/>
             <a:r>
-              <a:rPr lang="fr-FR" smtClean="0"/>
+              <a:rPr lang="fr-FR"/>
               <a:t>Troisième niveau</a:t>
             </a:r>
           </a:p>
           <a:p>
             <a:pPr lvl="3"/>
             <a:r>
-              <a:rPr lang="fr-FR" smtClean="0"/>
+              <a:rPr lang="fr-FR"/>
               <a:t>Quatrième niveau</a:t>
             </a:r>
           </a:p>
           <a:p>
             <a:pPr lvl="4"/>
             <a:r>
-              <a:rPr lang="fr-FR" smtClean="0"/>
+              <a:rPr lang="fr-FR"/>
               <a:t>Cinquième niveau</a:t>
             </a:r>
-            <a:endParaRPr lang="fr-FR"/>
           </a:p>
         </p:txBody>
       </p:sp>
@@ -1299,38 +1288,37 @@
           <a:p>
             <a:pPr lvl="0"/>
             <a:r>
-              <a:rPr lang="fr-FR" smtClean="0"/>
+              <a:rPr lang="fr-FR"/>
               <a:t>Cliquez pour modifier les styles du texte du masque</a:t>
             </a:r>
           </a:p>
           <a:p>
             <a:pPr lvl="1"/>
             <a:r>
-              <a:rPr lang="fr-FR" smtClean="0"/>
+              <a:rPr lang="fr-FR"/>
               <a:t>Deuxième niveau</a:t>
             </a:r>
           </a:p>
           <a:p>
             <a:pPr lvl="2"/>
             <a:r>
-              <a:rPr lang="fr-FR" smtClean="0"/>
+              <a:rPr lang="fr-FR"/>
               <a:t>Troisième niveau</a:t>
             </a:r>
           </a:p>
           <a:p>
             <a:pPr lvl="3"/>
             <a:r>
-              <a:rPr lang="fr-FR" smtClean="0"/>
+              <a:rPr lang="fr-FR"/>
               <a:t>Quatrième niveau</a:t>
             </a:r>
           </a:p>
           <a:p>
             <a:pPr lvl="4"/>
             <a:r>
-              <a:rPr lang="fr-FR" smtClean="0"/>
+              <a:rPr lang="fr-FR"/>
               <a:t>Cinquième niveau</a:t>
             </a:r>
-            <a:endParaRPr lang="fr-FR"/>
           </a:p>
         </p:txBody>
       </p:sp>
@@ -1352,7 +1340,7 @@
             <a:fld id="{20E925A7-C1DD-428B-AAB2-367FE347E130}" type="datetimeFigureOut">
               <a:rPr lang="fr-FR" smtClean="0"/>
               <a:pPr/>
-              <a:t>27/09/2014</a:t>
+              <a:t>28/01/2024</a:t>
             </a:fld>
             <a:endParaRPr lang="fr-FR"/>
           </a:p>
@@ -1446,10 +1434,9 @@
           </a:lstStyle>
           <a:p>
             <a:r>
-              <a:rPr lang="fr-FR" smtClean="0"/>
+              <a:rPr lang="fr-FR"/>
               <a:t>Cliquez pour modifier le style du titre</a:t>
             </a:r>
-            <a:endParaRPr lang="fr-FR"/>
           </a:p>
         </p:txBody>
       </p:sp>
@@ -1512,7 +1499,7 @@
           <a:p>
             <a:pPr lvl="0"/>
             <a:r>
-              <a:rPr lang="fr-FR" smtClean="0"/>
+              <a:rPr lang="fr-FR"/>
               <a:t>Cliquez pour modifier les styles du texte du masque</a:t>
             </a:r>
           </a:p>
@@ -1568,38 +1555,37 @@
           <a:p>
             <a:pPr lvl="0"/>
             <a:r>
-              <a:rPr lang="fr-FR" smtClean="0"/>
+              <a:rPr lang="fr-FR"/>
               <a:t>Cliquez pour modifier les styles du texte du masque</a:t>
             </a:r>
           </a:p>
           <a:p>
             <a:pPr lvl="1"/>
             <a:r>
-              <a:rPr lang="fr-FR" smtClean="0"/>
+              <a:rPr lang="fr-FR"/>
               <a:t>Deuxième niveau</a:t>
             </a:r>
           </a:p>
           <a:p>
             <a:pPr lvl="2"/>
             <a:r>
-              <a:rPr lang="fr-FR" smtClean="0"/>
+              <a:rPr lang="fr-FR"/>
               <a:t>Troisième niveau</a:t>
             </a:r>
           </a:p>
           <a:p>
             <a:pPr lvl="3"/>
             <a:r>
-              <a:rPr lang="fr-FR" smtClean="0"/>
+              <a:rPr lang="fr-FR"/>
               <a:t>Quatrième niveau</a:t>
             </a:r>
           </a:p>
           <a:p>
             <a:pPr lvl="4"/>
             <a:r>
-              <a:rPr lang="fr-FR" smtClean="0"/>
+              <a:rPr lang="fr-FR"/>
               <a:t>Cinquième niveau</a:t>
             </a:r>
-            <a:endParaRPr lang="fr-FR"/>
           </a:p>
         </p:txBody>
       </p:sp>
@@ -1662,7 +1648,7 @@
           <a:p>
             <a:pPr lvl="0"/>
             <a:r>
-              <a:rPr lang="fr-FR" smtClean="0"/>
+              <a:rPr lang="fr-FR"/>
               <a:t>Cliquez pour modifier les styles du texte du masque</a:t>
             </a:r>
           </a:p>
@@ -1718,38 +1704,37 @@
           <a:p>
             <a:pPr lvl="0"/>
             <a:r>
-              <a:rPr lang="fr-FR" smtClean="0"/>
+              <a:rPr lang="fr-FR"/>
               <a:t>Cliquez pour modifier les styles du texte du masque</a:t>
             </a:r>
           </a:p>
           <a:p>
             <a:pPr lvl="1"/>
             <a:r>
-              <a:rPr lang="fr-FR" smtClean="0"/>
+              <a:rPr lang="fr-FR"/>
               <a:t>Deuxième niveau</a:t>
             </a:r>
           </a:p>
           <a:p>
             <a:pPr lvl="2"/>
             <a:r>
-              <a:rPr lang="fr-FR" smtClean="0"/>
+              <a:rPr lang="fr-FR"/>
               <a:t>Troisième niveau</a:t>
             </a:r>
           </a:p>
           <a:p>
             <a:pPr lvl="3"/>
             <a:r>
-              <a:rPr lang="fr-FR" smtClean="0"/>
+              <a:rPr lang="fr-FR"/>
               <a:t>Quatrième niveau</a:t>
             </a:r>
           </a:p>
           <a:p>
             <a:pPr lvl="4"/>
             <a:r>
-              <a:rPr lang="fr-FR" smtClean="0"/>
+              <a:rPr lang="fr-FR"/>
               <a:t>Cinquième niveau</a:t>
             </a:r>
-            <a:endParaRPr lang="fr-FR"/>
           </a:p>
         </p:txBody>
       </p:sp>
@@ -1771,7 +1756,7 @@
             <a:fld id="{20E925A7-C1DD-428B-AAB2-367FE347E130}" type="datetimeFigureOut">
               <a:rPr lang="fr-FR" smtClean="0"/>
               <a:pPr/>
-              <a:t>27/09/2014</a:t>
+              <a:t>28/01/2024</a:t>
             </a:fld>
             <a:endParaRPr lang="fr-FR"/>
           </a:p>
@@ -1861,10 +1846,9 @@
           <a:lstStyle/>
           <a:p>
             <a:r>
-              <a:rPr lang="fr-FR" smtClean="0"/>
+              <a:rPr lang="fr-FR"/>
               <a:t>Cliquez pour modifier le style du titre</a:t>
             </a:r>
-            <a:endParaRPr lang="fr-FR"/>
           </a:p>
         </p:txBody>
       </p:sp>
@@ -1886,7 +1870,7 @@
             <a:fld id="{20E925A7-C1DD-428B-AAB2-367FE347E130}" type="datetimeFigureOut">
               <a:rPr lang="fr-FR" smtClean="0"/>
               <a:pPr/>
-              <a:t>27/09/2014</a:t>
+              <a:t>28/01/2024</a:t>
             </a:fld>
             <a:endParaRPr lang="fr-FR"/>
           </a:p>
@@ -1978,7 +1962,7 @@
             <a:fld id="{20E925A7-C1DD-428B-AAB2-367FE347E130}" type="datetimeFigureOut">
               <a:rPr lang="fr-FR" smtClean="0"/>
               <a:pPr/>
-              <a:t>27/09/2014</a:t>
+              <a:t>28/01/2024</a:t>
             </a:fld>
             <a:endParaRPr lang="fr-FR"/>
           </a:p>
@@ -2077,10 +2061,9 @@
           </a:lstStyle>
           <a:p>
             <a:r>
-              <a:rPr lang="fr-FR" smtClean="0"/>
+              <a:rPr lang="fr-FR"/>
               <a:t>Cliquez pour modifier le style du titre</a:t>
             </a:r>
-            <a:endParaRPr lang="fr-FR"/>
           </a:p>
         </p:txBody>
       </p:sp>
@@ -2134,38 +2117,37 @@
           <a:p>
             <a:pPr lvl="0"/>
             <a:r>
-              <a:rPr lang="fr-FR" smtClean="0"/>
+              <a:rPr lang="fr-FR"/>
               <a:t>Cliquez pour modifier les styles du texte du masque</a:t>
             </a:r>
           </a:p>
           <a:p>
             <a:pPr lvl="1"/>
             <a:r>
-              <a:rPr lang="fr-FR" smtClean="0"/>
+              <a:rPr lang="fr-FR"/>
               <a:t>Deuxième niveau</a:t>
             </a:r>
           </a:p>
           <a:p>
             <a:pPr lvl="2"/>
             <a:r>
-              <a:rPr lang="fr-FR" smtClean="0"/>
+              <a:rPr lang="fr-FR"/>
               <a:t>Troisième niveau</a:t>
             </a:r>
           </a:p>
           <a:p>
             <a:pPr lvl="3"/>
             <a:r>
-              <a:rPr lang="fr-FR" smtClean="0"/>
+              <a:rPr lang="fr-FR"/>
               <a:t>Quatrième niveau</a:t>
             </a:r>
           </a:p>
           <a:p>
             <a:pPr lvl="4"/>
             <a:r>
-              <a:rPr lang="fr-FR" smtClean="0"/>
+              <a:rPr lang="fr-FR"/>
               <a:t>Cinquième niveau</a:t>
             </a:r>
-            <a:endParaRPr lang="fr-FR"/>
           </a:p>
         </p:txBody>
       </p:sp>
@@ -2228,7 +2210,7 @@
           <a:p>
             <a:pPr lvl="0"/>
             <a:r>
-              <a:rPr lang="fr-FR" smtClean="0"/>
+              <a:rPr lang="fr-FR"/>
               <a:t>Cliquez pour modifier les styles du texte du masque</a:t>
             </a:r>
           </a:p>
@@ -2252,7 +2234,7 @@
             <a:fld id="{20E925A7-C1DD-428B-AAB2-367FE347E130}" type="datetimeFigureOut">
               <a:rPr lang="fr-FR" smtClean="0"/>
               <a:pPr/>
-              <a:t>27/09/2014</a:t>
+              <a:t>28/01/2024</a:t>
             </a:fld>
             <a:endParaRPr lang="fr-FR"/>
           </a:p>
@@ -2351,10 +2333,9 @@
           </a:lstStyle>
           <a:p>
             <a:r>
-              <a:rPr lang="fr-FR" smtClean="0"/>
+              <a:rPr lang="fr-FR"/>
               <a:t>Cliquez pour modifier le style du titre</a:t>
             </a:r>
-            <a:endParaRPr lang="fr-FR"/>
           </a:p>
         </p:txBody>
       </p:sp>
@@ -2478,7 +2459,7 @@
           <a:p>
             <a:pPr lvl="0"/>
             <a:r>
-              <a:rPr lang="fr-FR" smtClean="0"/>
+              <a:rPr lang="fr-FR"/>
               <a:t>Cliquez pour modifier les styles du texte du masque</a:t>
             </a:r>
           </a:p>
@@ -2502,7 +2483,7 @@
             <a:fld id="{20E925A7-C1DD-428B-AAB2-367FE347E130}" type="datetimeFigureOut">
               <a:rPr lang="fr-FR" smtClean="0"/>
               <a:pPr/>
-              <a:t>27/09/2014</a:t>
+              <a:t>28/01/2024</a:t>
             </a:fld>
             <a:endParaRPr lang="fr-FR"/>
           </a:p>
@@ -2607,10 +2588,9 @@
           <a:lstStyle/>
           <a:p>
             <a:r>
-              <a:rPr lang="fr-FR" smtClean="0"/>
+              <a:rPr lang="fr-FR"/>
               <a:t>Cliquez pour modifier le style du titre</a:t>
             </a:r>
-            <a:endParaRPr lang="fr-FR"/>
           </a:p>
         </p:txBody>
       </p:sp>
@@ -2641,38 +2621,37 @@
           <a:p>
             <a:pPr lvl="0"/>
             <a:r>
-              <a:rPr lang="fr-FR" smtClean="0"/>
+              <a:rPr lang="fr-FR"/>
               <a:t>Cliquez pour modifier les styles du texte du masque</a:t>
             </a:r>
           </a:p>
           <a:p>
             <a:pPr lvl="1"/>
             <a:r>
-              <a:rPr lang="fr-FR" smtClean="0"/>
+              <a:rPr lang="fr-FR"/>
               <a:t>Deuxième niveau</a:t>
             </a:r>
           </a:p>
           <a:p>
             <a:pPr lvl="2"/>
             <a:r>
-              <a:rPr lang="fr-FR" smtClean="0"/>
+              <a:rPr lang="fr-FR"/>
               <a:t>Troisième niveau</a:t>
             </a:r>
           </a:p>
           <a:p>
             <a:pPr lvl="3"/>
             <a:r>
-              <a:rPr lang="fr-FR" smtClean="0"/>
+              <a:rPr lang="fr-FR"/>
               <a:t>Quatrième niveau</a:t>
             </a:r>
           </a:p>
           <a:p>
             <a:pPr lvl="4"/>
             <a:r>
-              <a:rPr lang="fr-FR" smtClean="0"/>
+              <a:rPr lang="fr-FR"/>
               <a:t>Cinquième niveau</a:t>
             </a:r>
-            <a:endParaRPr lang="fr-FR"/>
           </a:p>
         </p:txBody>
       </p:sp>
@@ -2712,7 +2691,7 @@
             <a:fld id="{20E925A7-C1DD-428B-AAB2-367FE347E130}" type="datetimeFigureOut">
               <a:rPr lang="fr-FR" smtClean="0"/>
               <a:pPr/>
-              <a:t>27/09/2014</a:t>
+              <a:t>28/01/2024</a:t>
             </a:fld>
             <a:endParaRPr lang="fr-FR"/>
           </a:p>
@@ -3106,10 +3085,9 @@
           <a:lstStyle/>
           <a:p>
             <a:r>
-              <a:rPr lang="fr-FR" sz="13800" b="1" dirty="0" smtClean="0"/>
+              <a:rPr lang="fr-FR" sz="13800" b="1" dirty="0"/>
               <a:t>FF 24</a:t>
             </a:r>
-            <a:endParaRPr lang="fr-FR" sz="13800" b="1" dirty="0"/>
           </a:p>
         </p:txBody>
       </p:sp>
@@ -3223,7 +3201,7 @@
           <a:lstStyle/>
           <a:p>
             <a:r>
-              <a:rPr lang="en-GB" sz="8800" b="1" dirty="0" smtClean="0"/>
+              <a:rPr lang="en-GB" sz="8800" b="1" dirty="0"/>
               <a:t>1) </a:t>
             </a:r>
             <a:r>
@@ -3237,10 +3215,6 @@
             <a:r>
               <a:rPr lang="en-GB" sz="8800" b="1" dirty="0" err="1"/>
               <a:t>mazotoa</a:t>
-            </a:r>
-            <a:r>
-              <a:rPr lang="fr-FR" sz="8800" b="1" dirty="0"/>
-              <a:t/>
             </a:r>
             <a:br>
               <a:rPr lang="fr-FR" sz="8800" b="1" dirty="0"/>
@@ -3273,10 +3247,6 @@
               <a:rPr lang="en-GB" sz="8800" b="1" dirty="0"/>
               <a:t>, </a:t>
             </a:r>
-            <a:r>
-              <a:rPr lang="fr-FR" sz="8800" b="1" dirty="0"/>
-              <a:t/>
-            </a:r>
             <a:br>
               <a:rPr lang="fr-FR" sz="8800" b="1" dirty="0"/>
             </a:br>
@@ -3285,20 +3255,16 @@
               <a:t>        </a:t>
             </a:r>
             <a:r>
-              <a:rPr lang="en-GB" sz="8800" b="1" dirty="0" err="1" smtClean="0"/>
+              <a:rPr lang="en-GB" sz="8800" b="1" dirty="0" err="1"/>
               <a:t>mivavaha</a:t>
             </a:r>
             <a:r>
-              <a:rPr lang="en-GB" sz="8800" b="1" dirty="0" smtClean="0"/>
-              <a:t> </a:t>
-            </a:r>
-            <a:r>
-              <a:rPr lang="en-GB" sz="8800" b="1" dirty="0" err="1" smtClean="0"/>
+              <a:rPr lang="en-GB" sz="8800" b="1" dirty="0"/>
+              <a:t> </a:t>
+            </a:r>
+            <a:r>
+              <a:rPr lang="en-GB" sz="8800" b="1" dirty="0" err="1"/>
               <a:t>mivavaha</a:t>
-            </a:r>
-            <a:r>
-              <a:rPr lang="fr-FR" sz="8800" b="1" dirty="0"/>
-              <a:t/>
             </a:r>
             <a:br>
               <a:rPr lang="fr-FR" sz="8800" b="1" dirty="0"/>
@@ -3324,7 +3290,7 @@
               <a:t> </a:t>
             </a:r>
             <a:r>
-              <a:rPr lang="en-GB" sz="8800" b="1" dirty="0" err="1" smtClean="0"/>
+              <a:rPr lang="en-GB" sz="8800" b="1" dirty="0" err="1"/>
               <a:t>izao</a:t>
             </a:r>
             <a:endParaRPr lang="fr-FR" sz="8800" b="1" dirty="0"/>
@@ -3379,7 +3345,7 @@
           <a:lstStyle/>
           <a:p>
             <a:r>
-              <a:rPr lang="en-GB" sz="9600" b="1" dirty="0" err="1" smtClean="0"/>
+              <a:rPr lang="en-GB" sz="9600" b="1" dirty="0" err="1"/>
               <a:t>Mijoroa</a:t>
             </a:r>
             <a:r>
@@ -3389,10 +3355,6 @@
             <a:r>
               <a:rPr lang="en-GB" sz="9600" b="1" dirty="0" err="1"/>
               <a:t>mitoria</a:t>
-            </a:r>
-            <a:r>
-              <a:rPr lang="fr-FR" sz="9600" b="1" dirty="0"/>
-              <a:t/>
             </a:r>
             <a:br>
               <a:rPr lang="fr-FR" sz="9600" b="1" dirty="0"/>
@@ -3421,10 +3383,6 @@
               <a:rPr lang="en-GB" sz="9600" b="1" dirty="0" err="1"/>
               <a:t>soa</a:t>
             </a:r>
-            <a:r>
-              <a:rPr lang="fr-FR" sz="9600" b="1" dirty="0"/>
-              <a:t/>
-            </a:r>
             <a:br>
               <a:rPr lang="fr-FR" sz="9600" b="1" dirty="0"/>
             </a:br>
@@ -3460,10 +3418,6 @@
               <a:rPr lang="en-GB" sz="9600" b="1" dirty="0" err="1"/>
               <a:t>fitia</a:t>
             </a:r>
-            <a:r>
-              <a:rPr lang="fr-FR" sz="9600" b="1" dirty="0"/>
-              <a:t/>
-            </a:r>
             <a:br>
               <a:rPr lang="fr-FR" sz="9600" b="1" dirty="0"/>
             </a:br>
@@ -3480,7 +3434,7 @@
               <a:t> </a:t>
             </a:r>
             <a:r>
-              <a:rPr lang="en-GB" sz="9600" b="1" dirty="0" err="1" smtClean="0"/>
+              <a:rPr lang="en-GB" sz="9600" b="1" dirty="0" err="1"/>
               <a:t>anao</a:t>
             </a:r>
             <a:endParaRPr lang="fr-FR" sz="9600" b="1" dirty="0"/>
@@ -3559,10 +3513,6 @@
               <a:rPr lang="en-GB" sz="8000" b="1" dirty="0" err="1"/>
               <a:t>lalanao</a:t>
             </a:r>
-            <a:r>
-              <a:rPr lang="fr-FR" sz="8000" b="1" dirty="0"/>
-              <a:t/>
-            </a:r>
             <a:br>
               <a:rPr lang="fr-FR" sz="8000" b="1" dirty="0"/>
             </a:br>
@@ -3590,10 +3540,6 @@
               <a:rPr lang="en-GB" sz="8000" b="1" dirty="0" err="1"/>
               <a:t>tokoa</a:t>
             </a:r>
-            <a:r>
-              <a:rPr lang="fr-FR" sz="8000" b="1" dirty="0"/>
-              <a:t/>
-            </a:r>
             <a:br>
               <a:rPr lang="fr-FR" sz="8000" b="1" dirty="0"/>
             </a:br>
@@ -3621,10 +3567,6 @@
               <a:rPr lang="en-GB" sz="8000" b="1" dirty="0" err="1"/>
               <a:t>masonao</a:t>
             </a:r>
-            <a:r>
-              <a:rPr lang="fr-FR" sz="8000" b="1" dirty="0"/>
-              <a:t/>
-            </a:r>
             <a:br>
               <a:rPr lang="fr-FR" sz="8000" b="1" dirty="0"/>
             </a:br>
@@ -3673,7 +3615,7 @@
               <a:t> </a:t>
             </a:r>
             <a:r>
-              <a:rPr lang="en-GB" sz="8000" b="1" dirty="0" err="1" smtClean="0"/>
+              <a:rPr lang="en-GB" sz="8000" b="1" dirty="0" err="1"/>
               <a:t>soa</a:t>
             </a:r>
             <a:endParaRPr lang="fr-FR" sz="8000" b="1" dirty="0"/>
@@ -3728,24 +3670,16 @@
           <a:lstStyle/>
           <a:p>
             <a:r>
-              <a:rPr lang="en-GB" sz="8800" b="1" dirty="0" err="1" smtClean="0"/>
+              <a:rPr lang="en-GB" sz="8800" b="1" dirty="0" err="1"/>
               <a:t>Izy</a:t>
             </a:r>
             <a:r>
-              <a:rPr lang="en-GB" sz="8800" b="1" dirty="0" smtClean="0"/>
-              <a:t> </a:t>
-            </a:r>
-            <a:r>
-              <a:rPr lang="en-GB" sz="8800" b="1" dirty="0"/>
-              <a:t>no </a:t>
+              <a:rPr lang="en-GB" sz="8800" b="1" dirty="0"/>
+              <a:t> no </a:t>
             </a:r>
             <a:r>
               <a:rPr lang="en-GB" sz="8800" b="1" dirty="0" err="1"/>
               <a:t>aminao</a:t>
-            </a:r>
-            <a:r>
-              <a:rPr lang="fr-FR" sz="8800" b="1" dirty="0"/>
-              <a:t/>
             </a:r>
             <a:br>
               <a:rPr lang="fr-FR" sz="8800" b="1" dirty="0"/>
@@ -3766,10 +3700,6 @@
               <a:rPr lang="en-GB" sz="8800" b="1" dirty="0" err="1"/>
               <a:t>izao</a:t>
             </a:r>
-            <a:r>
-              <a:rPr lang="fr-FR" sz="8800" b="1" dirty="0"/>
-              <a:t/>
-            </a:r>
             <a:br>
               <a:rPr lang="fr-FR" sz="8800" b="1" dirty="0"/>
             </a:br>
@@ -3778,19 +3708,19 @@
               <a:t>   O ! </a:t>
             </a:r>
             <a:r>
-              <a:rPr lang="en-GB" sz="8800" b="1" dirty="0" err="1" smtClean="0"/>
+              <a:rPr lang="en-GB" sz="8800" b="1" dirty="0" err="1"/>
               <a:t>Mahereza</a:t>
             </a:r>
             <a:r>
-              <a:rPr lang="fr-FR" sz="8800" b="1" dirty="0" smtClean="0"/>
-              <a:t> </a:t>
-            </a:r>
-            <a:r>
-              <a:rPr lang="en-GB" sz="8800" b="1" dirty="0" err="1" smtClean="0"/>
+              <a:rPr lang="fr-FR" sz="8800" b="1" dirty="0"/>
+              <a:t> </a:t>
+            </a:r>
+            <a:r>
+              <a:rPr lang="en-GB" sz="8800" b="1" dirty="0" err="1"/>
               <a:t>fa</a:t>
             </a:r>
             <a:r>
-              <a:rPr lang="en-GB" sz="8800" b="1" dirty="0" smtClean="0"/>
+              <a:rPr lang="en-GB" sz="8800" b="1" dirty="0"/>
               <a:t> </a:t>
             </a:r>
             <a:r>
@@ -3897,10 +3827,6 @@
               <a:rPr lang="en-GB" sz="8800" b="1" dirty="0" err="1"/>
               <a:t>miasà</a:t>
             </a:r>
-            <a:r>
-              <a:rPr lang="fr-FR" sz="8800" b="1" dirty="0"/>
-              <a:t/>
-            </a:r>
             <a:br>
               <a:rPr lang="fr-FR" sz="8800" b="1" dirty="0"/>
             </a:br>
@@ -3928,10 +3854,6 @@
               <a:rPr lang="en-GB" sz="8800" b="1" dirty="0" err="1"/>
               <a:t>Finoanao</a:t>
             </a:r>
-            <a:r>
-              <a:rPr lang="fr-FR" sz="8800" b="1" dirty="0"/>
-              <a:t/>
-            </a:r>
             <a:br>
               <a:rPr lang="fr-FR" sz="8800" b="1" dirty="0"/>
             </a:br>
@@ -3963,10 +3885,6 @@
               <a:rPr lang="en-GB" sz="8800" b="1" dirty="0"/>
               <a:t>,</a:t>
             </a:r>
-            <a:r>
-              <a:rPr lang="fr-FR" sz="8800" b="1" dirty="0"/>
-              <a:t/>
-            </a:r>
             <a:br>
               <a:rPr lang="fr-FR" sz="8800" b="1" dirty="0"/>
             </a:br>
@@ -3975,11 +3893,11 @@
               <a:t>   </a:t>
             </a:r>
             <a:r>
-              <a:rPr lang="en-GB" sz="8800" b="1" dirty="0" err="1" smtClean="0"/>
+              <a:rPr lang="en-GB" sz="8800" b="1" dirty="0" err="1"/>
               <a:t>na</a:t>
             </a:r>
             <a:r>
-              <a:rPr lang="en-GB" sz="8800" b="1" dirty="0" smtClean="0"/>
+              <a:rPr lang="en-GB" sz="8800" b="1" dirty="0"/>
               <a:t> </a:t>
             </a:r>
             <a:r>
@@ -3993,10 +3911,6 @@
             <a:r>
               <a:rPr lang="en-GB" sz="8800" b="1" dirty="0" err="1"/>
               <a:t>izao</a:t>
-            </a:r>
-            <a:r>
-              <a:rPr lang="fr-FR" sz="8800" b="1" dirty="0"/>
-              <a:t/>
             </a:r>
             <a:br>
               <a:rPr lang="fr-FR" sz="8800" b="1" dirty="0"/>
@@ -4057,7 +3971,7 @@
           <a:lstStyle/>
           <a:p>
             <a:r>
-              <a:rPr lang="en-GB" sz="9600" b="1" dirty="0" err="1" smtClean="0"/>
+              <a:rPr lang="en-GB" sz="9600" b="1" dirty="0" err="1"/>
               <a:t>Miadia</a:t>
             </a:r>
             <a:r>
@@ -4067,10 +3981,6 @@
             <a:r>
               <a:rPr lang="en-GB" sz="9600" b="1" dirty="0" err="1"/>
               <a:t>mitafia</a:t>
-            </a:r>
-            <a:r>
-              <a:rPr lang="fr-FR" sz="9600" b="1" dirty="0"/>
-              <a:t/>
             </a:r>
             <a:br>
               <a:rPr lang="fr-FR" sz="9600" b="1" dirty="0"/>
@@ -4103,10 +4013,6 @@
               <a:rPr lang="en-GB" sz="9600" b="1" dirty="0"/>
               <a:t>,</a:t>
             </a:r>
-            <a:r>
-              <a:rPr lang="fr-FR" sz="9600" b="1" dirty="0"/>
-              <a:t/>
-            </a:r>
             <a:br>
               <a:rPr lang="fr-FR" sz="9600" b="1" dirty="0"/>
             </a:br>
@@ -4133,10 +4039,6 @@
             <a:r>
               <a:rPr lang="en-GB" sz="9600" b="1" dirty="0" err="1"/>
               <a:t>fahavalonao</a:t>
-            </a:r>
-            <a:r>
-              <a:rPr lang="fr-FR" sz="9600" b="1" dirty="0"/>
-              <a:t/>
             </a:r>
             <a:br>
               <a:rPr lang="fr-FR" sz="9600" b="1" dirty="0"/>
@@ -4241,10 +4143,6 @@
               <a:rPr lang="en-GB" sz="8800" b="1" dirty="0" err="1"/>
               <a:t>foana</a:t>
             </a:r>
-            <a:r>
-              <a:rPr lang="fr-FR" sz="8800" b="1" dirty="0"/>
-              <a:t/>
-            </a:r>
             <a:br>
               <a:rPr lang="fr-FR" sz="8800" b="1" dirty="0"/>
             </a:br>
@@ -4288,10 +4186,6 @@
               <a:rPr lang="en-GB" sz="8800" b="1" dirty="0" err="1"/>
               <a:t>ao</a:t>
             </a:r>
-            <a:r>
-              <a:rPr lang="fr-FR" sz="8800" b="1" dirty="0"/>
-              <a:t/>
-            </a:r>
             <a:br>
               <a:rPr lang="fr-FR" sz="8800" b="1" dirty="0"/>
             </a:br>
@@ -4311,10 +4205,6 @@
               <a:rPr lang="en-GB" sz="8800" b="1" dirty="0" err="1"/>
               <a:t>lalandava</a:t>
             </a:r>
-            <a:r>
-              <a:rPr lang="fr-FR" sz="8800" b="1" dirty="0"/>
-              <a:t/>
-            </a:r>
             <a:br>
               <a:rPr lang="fr-FR" sz="8800" b="1" dirty="0"/>
             </a:br>
@@ -4323,11 +4213,11 @@
               <a:t>  </a:t>
             </a:r>
             <a:r>
-              <a:rPr lang="en-GB" sz="8800" b="1" dirty="0" err="1" smtClean="0"/>
+              <a:rPr lang="en-GB" sz="8800" b="1" dirty="0" err="1"/>
               <a:t>Ary</a:t>
             </a:r>
             <a:r>
-              <a:rPr lang="en-GB" sz="8800" b="1" dirty="0" smtClean="0"/>
+              <a:rPr lang="en-GB" sz="8800" b="1" dirty="0"/>
               <a:t> </a:t>
             </a:r>
             <a:r>
@@ -4355,7 +4245,7 @@
               <a:t> </a:t>
             </a:r>
             <a:r>
-              <a:rPr lang="en-GB" sz="8800" b="1" dirty="0" err="1" smtClean="0"/>
+              <a:rPr lang="en-GB" sz="8800" b="1" dirty="0" err="1"/>
               <a:t>mandao</a:t>
             </a:r>
             <a:endParaRPr lang="fr-FR" sz="8800" b="1" dirty="0"/>
@@ -4410,24 +4300,16 @@
           <a:lstStyle/>
           <a:p>
             <a:r>
-              <a:rPr lang="en-GB" sz="8800" b="1" dirty="0" err="1" smtClean="0"/>
+              <a:rPr lang="en-GB" sz="8800" b="1" dirty="0" err="1"/>
               <a:t>Izy</a:t>
             </a:r>
             <a:r>
-              <a:rPr lang="en-GB" sz="8800" b="1" dirty="0" smtClean="0"/>
-              <a:t> </a:t>
-            </a:r>
-            <a:r>
-              <a:rPr lang="en-GB" sz="8800" b="1" dirty="0"/>
-              <a:t>no </a:t>
+              <a:rPr lang="en-GB" sz="8800" b="1" dirty="0"/>
+              <a:t> no </a:t>
             </a:r>
             <a:r>
               <a:rPr lang="en-GB" sz="8800" b="1" dirty="0" err="1"/>
               <a:t>aminao</a:t>
-            </a:r>
-            <a:r>
-              <a:rPr lang="fr-FR" sz="8800" b="1" dirty="0"/>
-              <a:t/>
             </a:r>
             <a:br>
               <a:rPr lang="fr-FR" sz="8800" b="1" dirty="0"/>
@@ -4448,10 +4330,6 @@
               <a:rPr lang="en-GB" sz="8800" b="1" dirty="0" err="1"/>
               <a:t>anao</a:t>
             </a:r>
-            <a:r>
-              <a:rPr lang="fr-FR" sz="8800" b="1" dirty="0"/>
-              <a:t/>
-            </a:r>
             <a:br>
               <a:rPr lang="fr-FR" sz="8800" b="1" dirty="0"/>
             </a:br>
@@ -4460,12 +4338,12 @@
               <a:t>   O ! </a:t>
             </a:r>
             <a:r>
-              <a:rPr lang="en-GB" sz="8800" b="1" dirty="0" err="1" smtClean="0"/>
-              <a:t>maherezafa</a:t>
-            </a:r>
-            <a:r>
-              <a:rPr lang="en-GB" sz="8800" b="1" dirty="0" smtClean="0"/>
-              <a:t> </a:t>
+              <a:rPr lang="en-GB" sz="8800" b="1" dirty="0" err="1"/>
+              <a:t>Mahereza</a:t>
+            </a:r>
+            <a:r>
+              <a:rPr lang="en-GB" sz="8800" b="1" dirty="0"/>
+              <a:t> fa </a:t>
             </a:r>
             <a:r>
               <a:rPr lang="en-GB" sz="8800" b="1" dirty="0" err="1"/>
